--- a/FINAL_PROJECT_PPT.pptx
+++ b/FINAL_PROJECT_PPT.pptx
@@ -9,8 +9,9 @@
     <p:sldId id="257" r:id="rId3"/>
     <p:sldId id="258" r:id="rId4"/>
     <p:sldId id="259" r:id="rId5"/>
-    <p:sldId id="260" r:id="rId6"/>
-    <p:sldId id="261" r:id="rId7"/>
+    <p:sldId id="262" r:id="rId6"/>
+    <p:sldId id="260" r:id="rId7"/>
+    <p:sldId id="261" r:id="rId8"/>
   </p:sldIdLst>
   <p:sldSz cx="12192000" cy="6858000"/>
   <p:notesSz cx="6858000" cy="9144000"/>
@@ -174,7 +175,7 @@
           <a:noFill/>
           <a:extLst>
             <a:ext uri="{909E8E84-426E-40dd-AFC4-6F175D3DCCD1}">
-              <a14:hiddenFill xmlns:a14="http://schemas.microsoft.com/office/drawing/2010/main" xmlns="">
+              <a14:hiddenFill xmlns="" xmlns:a14="http://schemas.microsoft.com/office/drawing/2010/main">
                 <a:solidFill>
                   <a:srgbClr val="FFFFFF"/>
                 </a:solidFill>
@@ -234,7 +235,7 @@
             </a:ln>
             <a:extLst>
               <a:ext uri="{91240B29-F687-4f45-9708-019B960494DF}">
-                <a14:hiddenLine xmlns:a14="http://schemas.microsoft.com/office/drawing/2010/main" xmlns="" w="9525">
+                <a14:hiddenLine xmlns="" xmlns:a14="http://schemas.microsoft.com/office/drawing/2010/main" w="9525">
                   <a:solidFill>
                     <a:srgbClr val="000000"/>
                   </a:solidFill>
@@ -324,7 +325,7 @@
             </a:ln>
             <a:extLst>
               <a:ext uri="{91240B29-F687-4f45-9708-019B960494DF}">
-                <a14:hiddenLine xmlns:a14="http://schemas.microsoft.com/office/drawing/2010/main" xmlns="" w="9525">
+                <a14:hiddenLine xmlns="" xmlns:a14="http://schemas.microsoft.com/office/drawing/2010/main" w="9525">
                   <a:solidFill>
                     <a:srgbClr val="000000"/>
                   </a:solidFill>
@@ -414,7 +415,7 @@
             </a:ln>
             <a:extLst>
               <a:ext uri="{91240B29-F687-4f45-9708-019B960494DF}">
-                <a14:hiddenLine xmlns:a14="http://schemas.microsoft.com/office/drawing/2010/main" xmlns="" w="9525">
+                <a14:hiddenLine xmlns="" xmlns:a14="http://schemas.microsoft.com/office/drawing/2010/main" w="9525">
                   <a:solidFill>
                     <a:srgbClr val="000000"/>
                   </a:solidFill>
@@ -448,7 +449,7 @@
             </a:ln>
             <a:extLst>
               <a:ext uri="{91240B29-F687-4f45-9708-019B960494DF}">
-                <a14:hiddenLine xmlns:a14="http://schemas.microsoft.com/office/drawing/2010/main" xmlns="" w="9525">
+                <a14:hiddenLine xmlns="" xmlns:a14="http://schemas.microsoft.com/office/drawing/2010/main" w="9525">
                   <a:solidFill>
                     <a:srgbClr val="000000"/>
                   </a:solidFill>
@@ -538,7 +539,7 @@
             </a:ln>
             <a:extLst>
               <a:ext uri="{91240B29-F687-4f45-9708-019B960494DF}">
-                <a14:hiddenLine xmlns:a14="http://schemas.microsoft.com/office/drawing/2010/main" xmlns="" w="9525">
+                <a14:hiddenLine xmlns="" xmlns:a14="http://schemas.microsoft.com/office/drawing/2010/main" w="9525">
                   <a:solidFill>
                     <a:srgbClr val="000000"/>
                   </a:solidFill>
@@ -600,7 +601,7 @@
             </a:ln>
             <a:extLst>
               <a:ext uri="{91240B29-F687-4f45-9708-019B960494DF}">
-                <a14:hiddenLine xmlns:a14="http://schemas.microsoft.com/office/drawing/2010/main" xmlns="" w="9525">
+                <a14:hiddenLine xmlns="" xmlns:a14="http://schemas.microsoft.com/office/drawing/2010/main" w="9525">
                   <a:solidFill>
                     <a:srgbClr val="000000"/>
                   </a:solidFill>
@@ -662,7 +663,7 @@
             </a:ln>
             <a:extLst>
               <a:ext uri="{91240B29-F687-4f45-9708-019B960494DF}">
-                <a14:hiddenLine xmlns:a14="http://schemas.microsoft.com/office/drawing/2010/main" xmlns="" w="9525">
+                <a14:hiddenLine xmlns="" xmlns:a14="http://schemas.microsoft.com/office/drawing/2010/main" w="9525">
                   <a:solidFill>
                     <a:srgbClr val="000000"/>
                   </a:solidFill>
@@ -752,7 +753,7 @@
             </a:ln>
             <a:extLst>
               <a:ext uri="{91240B29-F687-4f45-9708-019B960494DF}">
-                <a14:hiddenLine xmlns:a14="http://schemas.microsoft.com/office/drawing/2010/main" xmlns="" w="9525">
+                <a14:hiddenLine xmlns="" xmlns:a14="http://schemas.microsoft.com/office/drawing/2010/main" w="9525">
                   <a:solidFill>
                     <a:srgbClr val="000000"/>
                   </a:solidFill>
@@ -814,7 +815,7 @@
             </a:ln>
             <a:extLst>
               <a:ext uri="{91240B29-F687-4f45-9708-019B960494DF}">
-                <a14:hiddenLine xmlns:a14="http://schemas.microsoft.com/office/drawing/2010/main" xmlns="" w="9525">
+                <a14:hiddenLine xmlns="" xmlns:a14="http://schemas.microsoft.com/office/drawing/2010/main" w="9525">
                   <a:solidFill>
                     <a:srgbClr val="000000"/>
                   </a:solidFill>
@@ -876,7 +877,7 @@
             </a:ln>
             <a:extLst>
               <a:ext uri="{91240B29-F687-4f45-9708-019B960494DF}">
-                <a14:hiddenLine xmlns:a14="http://schemas.microsoft.com/office/drawing/2010/main" xmlns="" w="9525">
+                <a14:hiddenLine xmlns="" xmlns:a14="http://schemas.microsoft.com/office/drawing/2010/main" w="9525">
                   <a:solidFill>
                     <a:srgbClr val="000000"/>
                   </a:solidFill>
@@ -966,7 +967,7 @@
             </a:ln>
             <a:extLst>
               <a:ext uri="{91240B29-F687-4f45-9708-019B960494DF}">
-                <a14:hiddenLine xmlns:a14="http://schemas.microsoft.com/office/drawing/2010/main" xmlns="" w="9525">
+                <a14:hiddenLine xmlns="" xmlns:a14="http://schemas.microsoft.com/office/drawing/2010/main" w="9525">
                   <a:solidFill>
                     <a:srgbClr val="000000"/>
                   </a:solidFill>
@@ -1056,7 +1057,7 @@
             </a:ln>
             <a:extLst>
               <a:ext uri="{91240B29-F687-4f45-9708-019B960494DF}">
-                <a14:hiddenLine xmlns:a14="http://schemas.microsoft.com/office/drawing/2010/main" xmlns="" w="9525">
+                <a14:hiddenLine xmlns="" xmlns:a14="http://schemas.microsoft.com/office/drawing/2010/main" w="9525">
                   <a:solidFill>
                     <a:srgbClr val="000000"/>
                   </a:solidFill>
@@ -1118,7 +1119,7 @@
             </a:ln>
             <a:extLst>
               <a:ext uri="{91240B29-F687-4f45-9708-019B960494DF}">
-                <a14:hiddenLine xmlns:a14="http://schemas.microsoft.com/office/drawing/2010/main" xmlns="" w="9525">
+                <a14:hiddenLine xmlns="" xmlns:a14="http://schemas.microsoft.com/office/drawing/2010/main" w="9525">
                   <a:solidFill>
                     <a:srgbClr val="000000"/>
                   </a:solidFill>
@@ -1228,7 +1229,7 @@
             </a:ln>
             <a:extLst>
               <a:ext uri="{91240B29-F687-4f45-9708-019B960494DF}">
-                <a14:hiddenLine xmlns:a14="http://schemas.microsoft.com/office/drawing/2010/main" xmlns="" w="9525">
+                <a14:hiddenLine xmlns="" xmlns:a14="http://schemas.microsoft.com/office/drawing/2010/main" w="9525">
                   <a:solidFill>
                     <a:srgbClr val="000000"/>
                   </a:solidFill>
@@ -1290,7 +1291,7 @@
             </a:ln>
             <a:extLst>
               <a:ext uri="{91240B29-F687-4f45-9708-019B960494DF}">
-                <a14:hiddenLine xmlns:a14="http://schemas.microsoft.com/office/drawing/2010/main" xmlns="" w="9525">
+                <a14:hiddenLine xmlns="" xmlns:a14="http://schemas.microsoft.com/office/drawing/2010/main" w="9525">
                   <a:solidFill>
                     <a:srgbClr val="000000"/>
                   </a:solidFill>
@@ -1380,7 +1381,7 @@
             </a:ln>
             <a:extLst>
               <a:ext uri="{91240B29-F687-4f45-9708-019B960494DF}">
-                <a14:hiddenLine xmlns:a14="http://schemas.microsoft.com/office/drawing/2010/main" xmlns="" w="9525">
+                <a14:hiddenLine xmlns="" xmlns:a14="http://schemas.microsoft.com/office/drawing/2010/main" w="9525">
                   <a:solidFill>
                     <a:srgbClr val="000000"/>
                   </a:solidFill>
@@ -1470,7 +1471,7 @@
             </a:ln>
             <a:extLst>
               <a:ext uri="{91240B29-F687-4f45-9708-019B960494DF}">
-                <a14:hiddenLine xmlns:a14="http://schemas.microsoft.com/office/drawing/2010/main" xmlns="" w="9525">
+                <a14:hiddenLine xmlns="" xmlns:a14="http://schemas.microsoft.com/office/drawing/2010/main" w="9525">
                   <a:solidFill>
                     <a:srgbClr val="000000"/>
                   </a:solidFill>
@@ -1532,7 +1533,7 @@
             </a:ln>
             <a:extLst>
               <a:ext uri="{91240B29-F687-4f45-9708-019B960494DF}">
-                <a14:hiddenLine xmlns:a14="http://schemas.microsoft.com/office/drawing/2010/main" xmlns="" w="9525">
+                <a14:hiddenLine xmlns="" xmlns:a14="http://schemas.microsoft.com/office/drawing/2010/main" w="9525">
                   <a:solidFill>
                     <a:srgbClr val="000000"/>
                   </a:solidFill>
@@ -1622,7 +1623,7 @@
             </a:ln>
             <a:extLst>
               <a:ext uri="{91240B29-F687-4f45-9708-019B960494DF}">
-                <a14:hiddenLine xmlns:a14="http://schemas.microsoft.com/office/drawing/2010/main" xmlns="" w="9525">
+                <a14:hiddenLine xmlns="" xmlns:a14="http://schemas.microsoft.com/office/drawing/2010/main" w="9525">
                   <a:solidFill>
                     <a:srgbClr val="000000"/>
                   </a:solidFill>
@@ -1712,7 +1713,7 @@
             </a:ln>
             <a:extLst>
               <a:ext uri="{91240B29-F687-4f45-9708-019B960494DF}">
-                <a14:hiddenLine xmlns:a14="http://schemas.microsoft.com/office/drawing/2010/main" xmlns="" w="9525">
+                <a14:hiddenLine xmlns="" xmlns:a14="http://schemas.microsoft.com/office/drawing/2010/main" w="9525">
                   <a:solidFill>
                     <a:srgbClr val="000000"/>
                   </a:solidFill>
@@ -1768,7 +1769,7 @@
             </a:ln>
             <a:extLst>
               <a:ext uri="{91240B29-F687-4f45-9708-019B960494DF}">
-                <a14:hiddenLine xmlns:a14="http://schemas.microsoft.com/office/drawing/2010/main" xmlns="" w="9525">
+                <a14:hiddenLine xmlns="" xmlns:a14="http://schemas.microsoft.com/office/drawing/2010/main" w="9525">
                   <a:solidFill>
                     <a:srgbClr val="000000"/>
                   </a:solidFill>
@@ -1858,7 +1859,7 @@
             </a:ln>
             <a:extLst>
               <a:ext uri="{91240B29-F687-4f45-9708-019B960494DF}">
-                <a14:hiddenLine xmlns:a14="http://schemas.microsoft.com/office/drawing/2010/main" xmlns="" w="9525">
+                <a14:hiddenLine xmlns="" xmlns:a14="http://schemas.microsoft.com/office/drawing/2010/main" w="9525">
                   <a:solidFill>
                     <a:srgbClr val="000000"/>
                   </a:solidFill>
@@ -1914,7 +1915,7 @@
             </a:ln>
             <a:extLst>
               <a:ext uri="{91240B29-F687-4f45-9708-019B960494DF}">
-                <a14:hiddenLine xmlns:a14="http://schemas.microsoft.com/office/drawing/2010/main" xmlns="" w="9525">
+                <a14:hiddenLine xmlns="" xmlns:a14="http://schemas.microsoft.com/office/drawing/2010/main" w="9525">
                   <a:solidFill>
                     <a:srgbClr val="000000"/>
                   </a:solidFill>
@@ -2004,7 +2005,7 @@
             </a:ln>
             <a:extLst>
               <a:ext uri="{91240B29-F687-4f45-9708-019B960494DF}">
-                <a14:hiddenLine xmlns:a14="http://schemas.microsoft.com/office/drawing/2010/main" xmlns="" w="9525">
+                <a14:hiddenLine xmlns="" xmlns:a14="http://schemas.microsoft.com/office/drawing/2010/main" w="9525">
                   <a:solidFill>
                     <a:srgbClr val="000000"/>
                   </a:solidFill>
@@ -2072,7 +2073,7 @@
             </a:ln>
             <a:extLst>
               <a:ext uri="{91240B29-F687-4f45-9708-019B960494DF}">
-                <a14:hiddenLine xmlns:a14="http://schemas.microsoft.com/office/drawing/2010/main" xmlns="" w="9525">
+                <a14:hiddenLine xmlns="" xmlns:a14="http://schemas.microsoft.com/office/drawing/2010/main" w="9525">
                   <a:solidFill>
                     <a:srgbClr val="000000"/>
                   </a:solidFill>
@@ -2162,7 +2163,7 @@
             </a:ln>
             <a:extLst>
               <a:ext uri="{91240B29-F687-4f45-9708-019B960494DF}">
-                <a14:hiddenLine xmlns:a14="http://schemas.microsoft.com/office/drawing/2010/main" xmlns="" w="9525">
+                <a14:hiddenLine xmlns="" xmlns:a14="http://schemas.microsoft.com/office/drawing/2010/main" w="9525">
                   <a:solidFill>
                     <a:srgbClr val="000000"/>
                   </a:solidFill>
@@ -2230,7 +2231,7 @@
             </a:ln>
             <a:extLst>
               <a:ext uri="{91240B29-F687-4f45-9708-019B960494DF}">
-                <a14:hiddenLine xmlns:a14="http://schemas.microsoft.com/office/drawing/2010/main" xmlns="" w="9525">
+                <a14:hiddenLine xmlns="" xmlns:a14="http://schemas.microsoft.com/office/drawing/2010/main" w="9525">
                   <a:solidFill>
                     <a:srgbClr val="000000"/>
                   </a:solidFill>
@@ -2320,7 +2321,7 @@
             </a:ln>
             <a:extLst>
               <a:ext uri="{91240B29-F687-4f45-9708-019B960494DF}">
-                <a14:hiddenLine xmlns:a14="http://schemas.microsoft.com/office/drawing/2010/main" xmlns="" w="9525">
+                <a14:hiddenLine xmlns="" xmlns:a14="http://schemas.microsoft.com/office/drawing/2010/main" w="9525">
                   <a:solidFill>
                     <a:srgbClr val="000000"/>
                   </a:solidFill>
@@ -2354,7 +2355,7 @@
             </a:ln>
             <a:extLst>
               <a:ext uri="{91240B29-F687-4f45-9708-019B960494DF}">
-                <a14:hiddenLine xmlns:a14="http://schemas.microsoft.com/office/drawing/2010/main" xmlns="" w="9525">
+                <a14:hiddenLine xmlns="" xmlns:a14="http://schemas.microsoft.com/office/drawing/2010/main" w="9525">
                   <a:solidFill>
                     <a:srgbClr val="000000"/>
                   </a:solidFill>
@@ -2444,7 +2445,7 @@
             </a:ln>
             <a:extLst>
               <a:ext uri="{91240B29-F687-4f45-9708-019B960494DF}">
-                <a14:hiddenLine xmlns:a14="http://schemas.microsoft.com/office/drawing/2010/main" xmlns="" w="9525">
+                <a14:hiddenLine xmlns="" xmlns:a14="http://schemas.microsoft.com/office/drawing/2010/main" w="9525">
                   <a:solidFill>
                     <a:srgbClr val="000000"/>
                   </a:solidFill>
@@ -2506,7 +2507,7 @@
             </a:ln>
             <a:extLst>
               <a:ext uri="{91240B29-F687-4f45-9708-019B960494DF}">
-                <a14:hiddenLine xmlns:a14="http://schemas.microsoft.com/office/drawing/2010/main" xmlns="" w="9525">
+                <a14:hiddenLine xmlns="" xmlns:a14="http://schemas.microsoft.com/office/drawing/2010/main" w="9525">
                   <a:solidFill>
                     <a:srgbClr val="000000"/>
                   </a:solidFill>
@@ -2568,7 +2569,7 @@
             </a:ln>
             <a:extLst>
               <a:ext uri="{91240B29-F687-4f45-9708-019B960494DF}">
-                <a14:hiddenLine xmlns:a14="http://schemas.microsoft.com/office/drawing/2010/main" xmlns="" w="9525">
+                <a14:hiddenLine xmlns="" xmlns:a14="http://schemas.microsoft.com/office/drawing/2010/main" w="9525">
                   <a:solidFill>
                     <a:srgbClr val="000000"/>
                   </a:solidFill>
@@ -2658,7 +2659,7 @@
             </a:ln>
             <a:extLst>
               <a:ext uri="{91240B29-F687-4f45-9708-019B960494DF}">
-                <a14:hiddenLine xmlns:a14="http://schemas.microsoft.com/office/drawing/2010/main" xmlns="" w="9525">
+                <a14:hiddenLine xmlns="" xmlns:a14="http://schemas.microsoft.com/office/drawing/2010/main" w="9525">
                   <a:solidFill>
                     <a:srgbClr val="000000"/>
                   </a:solidFill>
@@ -2726,7 +2727,7 @@
             </a:ln>
             <a:extLst>
               <a:ext uri="{91240B29-F687-4f45-9708-019B960494DF}">
-                <a14:hiddenLine xmlns:a14="http://schemas.microsoft.com/office/drawing/2010/main" xmlns="" w="9525">
+                <a14:hiddenLine xmlns="" xmlns:a14="http://schemas.microsoft.com/office/drawing/2010/main" w="9525">
                   <a:solidFill>
                     <a:srgbClr val="000000"/>
                   </a:solidFill>
@@ -2788,7 +2789,7 @@
             </a:ln>
             <a:extLst>
               <a:ext uri="{91240B29-F687-4f45-9708-019B960494DF}">
-                <a14:hiddenLine xmlns:a14="http://schemas.microsoft.com/office/drawing/2010/main" xmlns="" w="9525">
+                <a14:hiddenLine xmlns="" xmlns:a14="http://schemas.microsoft.com/office/drawing/2010/main" w="9525">
                   <a:solidFill>
                     <a:srgbClr val="000000"/>
                   </a:solidFill>
@@ -2878,7 +2879,7 @@
             </a:ln>
             <a:extLst>
               <a:ext uri="{91240B29-F687-4f45-9708-019B960494DF}">
-                <a14:hiddenLine xmlns:a14="http://schemas.microsoft.com/office/drawing/2010/main" xmlns="" w="9525">
+                <a14:hiddenLine xmlns="" xmlns:a14="http://schemas.microsoft.com/office/drawing/2010/main" w="9525">
                   <a:solidFill>
                     <a:srgbClr val="000000"/>
                   </a:solidFill>
@@ -2940,7 +2941,7 @@
             </a:ln>
             <a:extLst>
               <a:ext uri="{91240B29-F687-4f45-9708-019B960494DF}">
-                <a14:hiddenLine xmlns:a14="http://schemas.microsoft.com/office/drawing/2010/main" xmlns="" w="9525">
+                <a14:hiddenLine xmlns="" xmlns:a14="http://schemas.microsoft.com/office/drawing/2010/main" w="9525">
                   <a:solidFill>
                     <a:srgbClr val="000000"/>
                   </a:solidFill>
@@ -3030,7 +3031,7 @@
             </a:ln>
             <a:extLst>
               <a:ext uri="{91240B29-F687-4f45-9708-019B960494DF}">
-                <a14:hiddenLine xmlns:a14="http://schemas.microsoft.com/office/drawing/2010/main" xmlns="" w="9525">
+                <a14:hiddenLine xmlns="" xmlns:a14="http://schemas.microsoft.com/office/drawing/2010/main" w="9525">
                   <a:solidFill>
                     <a:srgbClr val="000000"/>
                   </a:solidFill>
@@ -3092,7 +3093,7 @@
             </a:ln>
             <a:extLst>
               <a:ext uri="{91240B29-F687-4f45-9708-019B960494DF}">
-                <a14:hiddenLine xmlns:a14="http://schemas.microsoft.com/office/drawing/2010/main" xmlns="" w="9525">
+                <a14:hiddenLine xmlns="" xmlns:a14="http://schemas.microsoft.com/office/drawing/2010/main" w="9525">
                   <a:solidFill>
                     <a:srgbClr val="000000"/>
                   </a:solidFill>
@@ -3182,7 +3183,7 @@
             </a:ln>
             <a:extLst>
               <a:ext uri="{91240B29-F687-4f45-9708-019B960494DF}">
-                <a14:hiddenLine xmlns:a14="http://schemas.microsoft.com/office/drawing/2010/main" xmlns="" w="9525">
+                <a14:hiddenLine xmlns="" xmlns:a14="http://schemas.microsoft.com/office/drawing/2010/main" w="9525">
                   <a:solidFill>
                     <a:srgbClr val="000000"/>
                   </a:solidFill>
@@ -3216,7 +3217,7 @@
             </a:ln>
             <a:extLst>
               <a:ext uri="{91240B29-F687-4f45-9708-019B960494DF}">
-                <a14:hiddenLine xmlns:a14="http://schemas.microsoft.com/office/drawing/2010/main" xmlns="" w="9525">
+                <a14:hiddenLine xmlns="" xmlns:a14="http://schemas.microsoft.com/office/drawing/2010/main" w="9525">
                   <a:solidFill>
                     <a:srgbClr val="000000"/>
                   </a:solidFill>
@@ -3281,7 +3282,7 @@
             </a:ln>
             <a:extLst>
               <a:ext uri="{91240B29-F687-4f45-9708-019B960494DF}">
-                <a14:hiddenLine xmlns:a14="http://schemas.microsoft.com/office/drawing/2010/main" xmlns="" w="9525">
+                <a14:hiddenLine xmlns="" xmlns:a14="http://schemas.microsoft.com/office/drawing/2010/main" w="9525">
                   <a:solidFill>
                     <a:srgbClr val="000000"/>
                   </a:solidFill>
@@ -3371,7 +3372,7 @@
             </a:ln>
             <a:extLst>
               <a:ext uri="{91240B29-F687-4f45-9708-019B960494DF}">
-                <a14:hiddenLine xmlns:a14="http://schemas.microsoft.com/office/drawing/2010/main" xmlns="" w="9525">
+                <a14:hiddenLine xmlns="" xmlns:a14="http://schemas.microsoft.com/office/drawing/2010/main" w="9525">
                   <a:solidFill>
                     <a:srgbClr val="000000"/>
                   </a:solidFill>
@@ -3433,7 +3434,7 @@
             </a:ln>
             <a:extLst>
               <a:ext uri="{91240B29-F687-4f45-9708-019B960494DF}">
-                <a14:hiddenLine xmlns:a14="http://schemas.microsoft.com/office/drawing/2010/main" xmlns="" w="9525">
+                <a14:hiddenLine xmlns="" xmlns:a14="http://schemas.microsoft.com/office/drawing/2010/main" w="9525">
                   <a:solidFill>
                     <a:srgbClr val="000000"/>
                   </a:solidFill>
@@ -3523,7 +3524,7 @@
             </a:ln>
             <a:extLst>
               <a:ext uri="{91240B29-F687-4f45-9708-019B960494DF}">
-                <a14:hiddenLine xmlns:a14="http://schemas.microsoft.com/office/drawing/2010/main" xmlns="" w="9525">
+                <a14:hiddenLine xmlns="" xmlns:a14="http://schemas.microsoft.com/office/drawing/2010/main" w="9525">
                   <a:solidFill>
                     <a:srgbClr val="000000"/>
                   </a:solidFill>
@@ -3613,7 +3614,7 @@
             </a:ln>
             <a:extLst>
               <a:ext uri="{91240B29-F687-4f45-9708-019B960494DF}">
-                <a14:hiddenLine xmlns:a14="http://schemas.microsoft.com/office/drawing/2010/main" xmlns="" w="9525">
+                <a14:hiddenLine xmlns="" xmlns:a14="http://schemas.microsoft.com/office/drawing/2010/main" w="9525">
                   <a:solidFill>
                     <a:srgbClr val="000000"/>
                   </a:solidFill>
@@ -3678,7 +3679,7 @@
             </a:ln>
             <a:extLst>
               <a:ext uri="{91240B29-F687-4f45-9708-019B960494DF}">
-                <a14:hiddenLine xmlns:a14="http://schemas.microsoft.com/office/drawing/2010/main" xmlns="" w="9525">
+                <a14:hiddenLine xmlns="" xmlns:a14="http://schemas.microsoft.com/office/drawing/2010/main" w="9525">
                   <a:solidFill>
                     <a:srgbClr val="000000"/>
                   </a:solidFill>
@@ -3740,7 +3741,7 @@
             </a:ln>
             <a:extLst>
               <a:ext uri="{91240B29-F687-4f45-9708-019B960494DF}">
-                <a14:hiddenLine xmlns:a14="http://schemas.microsoft.com/office/drawing/2010/main" xmlns="" w="9525">
+                <a14:hiddenLine xmlns="" xmlns:a14="http://schemas.microsoft.com/office/drawing/2010/main" w="9525">
                   <a:solidFill>
                     <a:srgbClr val="000000"/>
                   </a:solidFill>
@@ -3830,7 +3831,7 @@
             </a:ln>
             <a:extLst>
               <a:ext uri="{91240B29-F687-4f45-9708-019B960494DF}">
-                <a14:hiddenLine xmlns:a14="http://schemas.microsoft.com/office/drawing/2010/main" xmlns="" w="9525">
+                <a14:hiddenLine xmlns="" xmlns:a14="http://schemas.microsoft.com/office/drawing/2010/main" w="9525">
                   <a:solidFill>
                     <a:srgbClr val="000000"/>
                   </a:solidFill>
@@ -3920,7 +3921,7 @@
             </a:ln>
             <a:extLst>
               <a:ext uri="{91240B29-F687-4f45-9708-019B960494DF}">
-                <a14:hiddenLine xmlns:a14="http://schemas.microsoft.com/office/drawing/2010/main" xmlns="" w="9525">
+                <a14:hiddenLine xmlns="" xmlns:a14="http://schemas.microsoft.com/office/drawing/2010/main" w="9525">
                   <a:solidFill>
                     <a:srgbClr val="000000"/>
                   </a:solidFill>
@@ -3982,7 +3983,7 @@
             </a:ln>
             <a:extLst>
               <a:ext uri="{91240B29-F687-4f45-9708-019B960494DF}">
-                <a14:hiddenLine xmlns:a14="http://schemas.microsoft.com/office/drawing/2010/main" xmlns="" w="9525">
+                <a14:hiddenLine xmlns="" xmlns:a14="http://schemas.microsoft.com/office/drawing/2010/main" w="9525">
                   <a:solidFill>
                     <a:srgbClr val="000000"/>
                   </a:solidFill>
@@ -4102,7 +4103,7 @@
             </a:ln>
             <a:extLst>
               <a:ext uri="{91240B29-F687-4f45-9708-019B960494DF}">
-                <a14:hiddenLine xmlns:a14="http://schemas.microsoft.com/office/drawing/2010/main" xmlns="" w="9525">
+                <a14:hiddenLine xmlns="" xmlns:a14="http://schemas.microsoft.com/office/drawing/2010/main" w="9525">
                   <a:solidFill>
                     <a:srgbClr val="000000"/>
                   </a:solidFill>
@@ -4170,7 +4171,7 @@
             </a:ln>
             <a:extLst>
               <a:ext uri="{91240B29-F687-4f45-9708-019B960494DF}">
-                <a14:hiddenLine xmlns:a14="http://schemas.microsoft.com/office/drawing/2010/main" xmlns="" w="9525">
+                <a14:hiddenLine xmlns="" xmlns:a14="http://schemas.microsoft.com/office/drawing/2010/main" w="9525">
                   <a:solidFill>
                     <a:srgbClr val="000000"/>
                   </a:solidFill>
@@ -4260,7 +4261,7 @@
             </a:ln>
             <a:extLst>
               <a:ext uri="{91240B29-F687-4f45-9708-019B960494DF}">
-                <a14:hiddenLine xmlns:a14="http://schemas.microsoft.com/office/drawing/2010/main" xmlns="" w="9525">
+                <a14:hiddenLine xmlns="" xmlns:a14="http://schemas.microsoft.com/office/drawing/2010/main" w="9525">
                   <a:solidFill>
                     <a:srgbClr val="000000"/>
                   </a:solidFill>
@@ -4400,7 +4401,7 @@
           <a:p>
             <a:fld id="{48A87A34-81AB-432B-8DAE-1953F412C126}" type="datetimeFigureOut">
               <a:rPr lang="en-US" smtClean="0"/>
-              <a:t>5/12/2016</a:t>
+              <a:t>5/17/2016</a:t>
             </a:fld>
             <a:endParaRPr lang="en-US" dirty="0"/>
           </a:p>
@@ -4667,7 +4668,7 @@
           <a:p>
             <a:fld id="{48A87A34-81AB-432B-8DAE-1953F412C126}" type="datetimeFigureOut">
               <a:rPr lang="en-US" smtClean="0"/>
-              <a:t>5/12/2016</a:t>
+              <a:t>5/17/2016</a:t>
             </a:fld>
             <a:endParaRPr lang="en-US" dirty="0"/>
           </a:p>
@@ -4863,7 +4864,7 @@
           <a:p>
             <a:fld id="{48A87A34-81AB-432B-8DAE-1953F412C126}" type="datetimeFigureOut">
               <a:rPr lang="en-US" smtClean="0"/>
-              <a:t>5/12/2016</a:t>
+              <a:t>5/17/2016</a:t>
             </a:fld>
             <a:endParaRPr lang="en-US" dirty="0"/>
           </a:p>
@@ -5126,7 +5127,7 @@
           <a:p>
             <a:fld id="{48A87A34-81AB-432B-8DAE-1953F412C126}" type="datetimeFigureOut">
               <a:rPr lang="en-US" smtClean="0"/>
-              <a:t>5/12/2016</a:t>
+              <a:t>5/17/2016</a:t>
             </a:fld>
             <a:endParaRPr lang="en-US" dirty="0"/>
           </a:p>
@@ -5560,7 +5561,7 @@
           <a:p>
             <a:fld id="{48A87A34-81AB-432B-8DAE-1953F412C126}" type="datetimeFigureOut">
               <a:rPr lang="en-US" smtClean="0"/>
-              <a:t>5/12/2016</a:t>
+              <a:t>5/17/2016</a:t>
             </a:fld>
             <a:endParaRPr lang="en-US" dirty="0"/>
           </a:p>
@@ -6106,7 +6107,7 @@
           <a:p>
             <a:fld id="{48A87A34-81AB-432B-8DAE-1953F412C126}" type="datetimeFigureOut">
               <a:rPr lang="en-US" smtClean="0"/>
-              <a:t>5/12/2016</a:t>
+              <a:t>5/17/2016</a:t>
             </a:fld>
             <a:endParaRPr lang="en-US" dirty="0"/>
           </a:p>
@@ -6826,7 +6827,7 @@
           <a:p>
             <a:fld id="{48A87A34-81AB-432B-8DAE-1953F412C126}" type="datetimeFigureOut">
               <a:rPr lang="en-US" smtClean="0"/>
-              <a:t>5/12/2016</a:t>
+              <a:t>5/17/2016</a:t>
             </a:fld>
             <a:endParaRPr lang="en-US" dirty="0"/>
           </a:p>
@@ -6996,7 +6997,7 @@
           <a:p>
             <a:fld id="{48A87A34-81AB-432B-8DAE-1953F412C126}" type="datetimeFigureOut">
               <a:rPr lang="en-US" smtClean="0"/>
-              <a:t>5/12/2016</a:t>
+              <a:t>5/17/2016</a:t>
             </a:fld>
             <a:endParaRPr lang="en-US" dirty="0"/>
           </a:p>
@@ -7176,7 +7177,7 @@
           <a:p>
             <a:fld id="{48A87A34-81AB-432B-8DAE-1953F412C126}" type="datetimeFigureOut">
               <a:rPr lang="en-US" smtClean="0"/>
-              <a:t>5/12/2016</a:t>
+              <a:t>5/17/2016</a:t>
             </a:fld>
             <a:endParaRPr lang="en-US" dirty="0"/>
           </a:p>
@@ -7346,7 +7347,7 @@
           <a:p>
             <a:fld id="{48A87A34-81AB-432B-8DAE-1953F412C126}" type="datetimeFigureOut">
               <a:rPr lang="en-US" smtClean="0"/>
-              <a:t>5/12/2016</a:t>
+              <a:t>5/17/2016</a:t>
             </a:fld>
             <a:endParaRPr lang="en-US" dirty="0"/>
           </a:p>
@@ -7596,7 +7597,7 @@
           <a:p>
             <a:fld id="{48A87A34-81AB-432B-8DAE-1953F412C126}" type="datetimeFigureOut">
               <a:rPr lang="en-US" smtClean="0"/>
-              <a:t>5/12/2016</a:t>
+              <a:t>5/17/2016</a:t>
             </a:fld>
             <a:endParaRPr lang="en-US" dirty="0"/>
           </a:p>
@@ -7828,7 +7829,7 @@
           <a:p>
             <a:fld id="{48A87A34-81AB-432B-8DAE-1953F412C126}" type="datetimeFigureOut">
               <a:rPr lang="en-US" smtClean="0"/>
-              <a:t>5/12/2016</a:t>
+              <a:t>5/17/2016</a:t>
             </a:fld>
             <a:endParaRPr lang="en-US" dirty="0"/>
           </a:p>
@@ -8209,7 +8210,7 @@
           <a:p>
             <a:fld id="{48A87A34-81AB-432B-8DAE-1953F412C126}" type="datetimeFigureOut">
               <a:rPr lang="en-US" smtClean="0"/>
-              <a:t>5/12/2016</a:t>
+              <a:t>5/17/2016</a:t>
             </a:fld>
             <a:endParaRPr lang="en-US" dirty="0"/>
           </a:p>
@@ -8327,7 +8328,7 @@
           <a:p>
             <a:fld id="{48A87A34-81AB-432B-8DAE-1953F412C126}" type="datetimeFigureOut">
               <a:rPr lang="en-US" smtClean="0"/>
-              <a:t>5/12/2016</a:t>
+              <a:t>5/17/2016</a:t>
             </a:fld>
             <a:endParaRPr lang="en-US" dirty="0"/>
           </a:p>
@@ -8422,7 +8423,7 @@
           <a:p>
             <a:fld id="{48A87A34-81AB-432B-8DAE-1953F412C126}" type="datetimeFigureOut">
               <a:rPr lang="en-US" smtClean="0"/>
-              <a:t>5/12/2016</a:t>
+              <a:t>5/17/2016</a:t>
             </a:fld>
             <a:endParaRPr lang="en-US" dirty="0"/>
           </a:p>
@@ -8671,7 +8672,7 @@
           <a:p>
             <a:fld id="{48A87A34-81AB-432B-8DAE-1953F412C126}" type="datetimeFigureOut">
               <a:rPr lang="en-US" smtClean="0"/>
-              <a:t>5/12/2016</a:t>
+              <a:t>5/17/2016</a:t>
             </a:fld>
             <a:endParaRPr lang="en-US" dirty="0"/>
           </a:p>
@@ -8951,7 +8952,7 @@
           <a:p>
             <a:fld id="{48A87A34-81AB-432B-8DAE-1953F412C126}" type="datetimeFigureOut">
               <a:rPr lang="en-US" smtClean="0"/>
-              <a:t>5/12/2016</a:t>
+              <a:t>5/17/2016</a:t>
             </a:fld>
             <a:endParaRPr lang="en-US" dirty="0"/>
           </a:p>
@@ -9074,7 +9075,7 @@
           <a:noFill/>
           <a:extLst>
             <a:ext uri="{909E8E84-426E-40dd-AFC4-6F175D3DCCD1}">
-              <a14:hiddenFill xmlns:a14="http://schemas.microsoft.com/office/drawing/2010/main" xmlns="">
+              <a14:hiddenFill xmlns="" xmlns:a14="http://schemas.microsoft.com/office/drawing/2010/main">
                 <a:solidFill>
                   <a:srgbClr val="FFFFFF"/>
                 </a:solidFill>
@@ -9148,7 +9149,7 @@
               </a:ln>
               <a:extLst>
                 <a:ext uri="{91240B29-F687-4f45-9708-019B960494DF}">
-                  <a14:hiddenLine xmlns:a14="http://schemas.microsoft.com/office/drawing/2010/main" xmlns="" w="9525">
+                  <a14:hiddenLine xmlns="" xmlns:a14="http://schemas.microsoft.com/office/drawing/2010/main" w="9525">
                     <a:solidFill>
                       <a:srgbClr val="000000"/>
                     </a:solidFill>
@@ -9238,7 +9239,7 @@
               </a:ln>
               <a:extLst>
                 <a:ext uri="{91240B29-F687-4f45-9708-019B960494DF}">
-                  <a14:hiddenLine xmlns:a14="http://schemas.microsoft.com/office/drawing/2010/main" xmlns="" w="9525">
+                  <a14:hiddenLine xmlns="" xmlns:a14="http://schemas.microsoft.com/office/drawing/2010/main" w="9525">
                     <a:solidFill>
                       <a:srgbClr val="000000"/>
                     </a:solidFill>
@@ -9328,7 +9329,7 @@
               </a:ln>
               <a:extLst>
                 <a:ext uri="{91240B29-F687-4f45-9708-019B960494DF}">
-                  <a14:hiddenLine xmlns:a14="http://schemas.microsoft.com/office/drawing/2010/main" xmlns="" w="9525">
+                  <a14:hiddenLine xmlns="" xmlns:a14="http://schemas.microsoft.com/office/drawing/2010/main" w="9525">
                     <a:solidFill>
                       <a:srgbClr val="000000"/>
                     </a:solidFill>
@@ -9390,7 +9391,7 @@
               </a:ln>
               <a:extLst>
                 <a:ext uri="{91240B29-F687-4f45-9708-019B960494DF}">
-                  <a14:hiddenLine xmlns:a14="http://schemas.microsoft.com/office/drawing/2010/main" xmlns="" w="9525">
+                  <a14:hiddenLine xmlns="" xmlns:a14="http://schemas.microsoft.com/office/drawing/2010/main" w="9525">
                     <a:solidFill>
                       <a:srgbClr val="000000"/>
                     </a:solidFill>
@@ -9480,7 +9481,7 @@
               </a:ln>
               <a:extLst>
                 <a:ext uri="{91240B29-F687-4f45-9708-019B960494DF}">
-                  <a14:hiddenLine xmlns:a14="http://schemas.microsoft.com/office/drawing/2010/main" xmlns="" w="9525">
+                  <a14:hiddenLine xmlns="" xmlns:a14="http://schemas.microsoft.com/office/drawing/2010/main" w="9525">
                     <a:solidFill>
                       <a:srgbClr val="000000"/>
                     </a:solidFill>
@@ -9542,7 +9543,7 @@
               </a:ln>
               <a:extLst>
                 <a:ext uri="{91240B29-F687-4f45-9708-019B960494DF}">
-                  <a14:hiddenLine xmlns:a14="http://schemas.microsoft.com/office/drawing/2010/main" xmlns="" w="9525">
+                  <a14:hiddenLine xmlns="" xmlns:a14="http://schemas.microsoft.com/office/drawing/2010/main" w="9525">
                     <a:solidFill>
                       <a:srgbClr val="000000"/>
                     </a:solidFill>
@@ -9604,7 +9605,7 @@
               </a:ln>
               <a:extLst>
                 <a:ext uri="{91240B29-F687-4f45-9708-019B960494DF}">
-                  <a14:hiddenLine xmlns:a14="http://schemas.microsoft.com/office/drawing/2010/main" xmlns="" w="9525">
+                  <a14:hiddenLine xmlns="" xmlns:a14="http://schemas.microsoft.com/office/drawing/2010/main" w="9525">
                     <a:solidFill>
                       <a:srgbClr val="000000"/>
                     </a:solidFill>
@@ -9694,7 +9695,7 @@
               </a:ln>
               <a:extLst>
                 <a:ext uri="{91240B29-F687-4f45-9708-019B960494DF}">
-                  <a14:hiddenLine xmlns:a14="http://schemas.microsoft.com/office/drawing/2010/main" xmlns="" w="9525">
+                  <a14:hiddenLine xmlns="" xmlns:a14="http://schemas.microsoft.com/office/drawing/2010/main" w="9525">
                     <a:solidFill>
                       <a:srgbClr val="000000"/>
                     </a:solidFill>
@@ -9784,7 +9785,7 @@
               </a:ln>
               <a:extLst>
                 <a:ext uri="{91240B29-F687-4f45-9708-019B960494DF}">
-                  <a14:hiddenLine xmlns:a14="http://schemas.microsoft.com/office/drawing/2010/main" xmlns="" w="9525">
+                  <a14:hiddenLine xmlns="" xmlns:a14="http://schemas.microsoft.com/office/drawing/2010/main" w="9525">
                     <a:solidFill>
                       <a:srgbClr val="000000"/>
                     </a:solidFill>
@@ -9846,7 +9847,7 @@
               </a:ln>
               <a:extLst>
                 <a:ext uri="{91240B29-F687-4f45-9708-019B960494DF}">
-                  <a14:hiddenLine xmlns:a14="http://schemas.microsoft.com/office/drawing/2010/main" xmlns="" w="9525">
+                  <a14:hiddenLine xmlns="" xmlns:a14="http://schemas.microsoft.com/office/drawing/2010/main" w="9525">
                     <a:solidFill>
                       <a:srgbClr val="000000"/>
                     </a:solidFill>
@@ -9956,7 +9957,7 @@
               </a:ln>
               <a:extLst>
                 <a:ext uri="{91240B29-F687-4f45-9708-019B960494DF}">
-                  <a14:hiddenLine xmlns:a14="http://schemas.microsoft.com/office/drawing/2010/main" xmlns="" w="9525">
+                  <a14:hiddenLine xmlns="" xmlns:a14="http://schemas.microsoft.com/office/drawing/2010/main" w="9525">
                     <a:solidFill>
                       <a:srgbClr val="000000"/>
                     </a:solidFill>
@@ -10040,7 +10041,7 @@
               </a:ln>
               <a:extLst>
                 <a:ext uri="{91240B29-F687-4f45-9708-019B960494DF}">
-                  <a14:hiddenLine xmlns:a14="http://schemas.microsoft.com/office/drawing/2010/main" xmlns="" w="9525">
+                  <a14:hiddenLine xmlns="" xmlns:a14="http://schemas.microsoft.com/office/drawing/2010/main" w="9525">
                     <a:solidFill>
                       <a:srgbClr val="000000"/>
                     </a:solidFill>
@@ -10102,7 +10103,7 @@
               </a:ln>
               <a:extLst>
                 <a:ext uri="{91240B29-F687-4f45-9708-019B960494DF}">
-                  <a14:hiddenLine xmlns:a14="http://schemas.microsoft.com/office/drawing/2010/main" xmlns="" w="9525">
+                  <a14:hiddenLine xmlns="" xmlns:a14="http://schemas.microsoft.com/office/drawing/2010/main" w="9525">
                     <a:solidFill>
                       <a:srgbClr val="000000"/>
                     </a:solidFill>
@@ -10164,7 +10165,7 @@
               </a:ln>
               <a:extLst>
                 <a:ext uri="{91240B29-F687-4f45-9708-019B960494DF}">
-                  <a14:hiddenLine xmlns:a14="http://schemas.microsoft.com/office/drawing/2010/main" xmlns="" w="9525">
+                  <a14:hiddenLine xmlns="" xmlns:a14="http://schemas.microsoft.com/office/drawing/2010/main" w="9525">
                     <a:solidFill>
                       <a:srgbClr val="000000"/>
                     </a:solidFill>
@@ -10254,7 +10255,7 @@
               </a:ln>
               <a:extLst>
                 <a:ext uri="{91240B29-F687-4f45-9708-019B960494DF}">
-                  <a14:hiddenLine xmlns:a14="http://schemas.microsoft.com/office/drawing/2010/main" xmlns="" w="9525">
+                  <a14:hiddenLine xmlns="" xmlns:a14="http://schemas.microsoft.com/office/drawing/2010/main" w="9525">
                     <a:solidFill>
                       <a:srgbClr val="000000"/>
                     </a:solidFill>
@@ -10288,7 +10289,7 @@
               </a:ln>
               <a:extLst>
                 <a:ext uri="{91240B29-F687-4f45-9708-019B960494DF}">
-                  <a14:hiddenLine xmlns:a14="http://schemas.microsoft.com/office/drawing/2010/main" xmlns="" w="9525">
+                  <a14:hiddenLine xmlns="" xmlns:a14="http://schemas.microsoft.com/office/drawing/2010/main" w="9525">
                     <a:solidFill>
                       <a:srgbClr val="000000"/>
                     </a:solidFill>
@@ -10353,7 +10354,7 @@
               </a:ln>
               <a:extLst>
                 <a:ext uri="{91240B29-F687-4f45-9708-019B960494DF}">
-                  <a14:hiddenLine xmlns:a14="http://schemas.microsoft.com/office/drawing/2010/main" xmlns="" w="9525">
+                  <a14:hiddenLine xmlns="" xmlns:a14="http://schemas.microsoft.com/office/drawing/2010/main" w="9525">
                     <a:solidFill>
                       <a:srgbClr val="000000"/>
                     </a:solidFill>
@@ -10443,7 +10444,7 @@
               </a:ln>
               <a:extLst>
                 <a:ext uri="{91240B29-F687-4f45-9708-019B960494DF}">
-                  <a14:hiddenLine xmlns:a14="http://schemas.microsoft.com/office/drawing/2010/main" xmlns="" w="9525">
+                  <a14:hiddenLine xmlns="" xmlns:a14="http://schemas.microsoft.com/office/drawing/2010/main" w="9525">
                     <a:solidFill>
                       <a:srgbClr val="000000"/>
                     </a:solidFill>
@@ -10505,7 +10506,7 @@
               </a:ln>
               <a:extLst>
                 <a:ext uri="{91240B29-F687-4f45-9708-019B960494DF}">
-                  <a14:hiddenLine xmlns:a14="http://schemas.microsoft.com/office/drawing/2010/main" xmlns="" w="9525">
+                  <a14:hiddenLine xmlns="" xmlns:a14="http://schemas.microsoft.com/office/drawing/2010/main" w="9525">
                     <a:solidFill>
                       <a:srgbClr val="000000"/>
                     </a:solidFill>
@@ -10595,7 +10596,7 @@
               </a:ln>
               <a:extLst>
                 <a:ext uri="{91240B29-F687-4f45-9708-019B960494DF}">
-                  <a14:hiddenLine xmlns:a14="http://schemas.microsoft.com/office/drawing/2010/main" xmlns="" w="9525">
+                  <a14:hiddenLine xmlns="" xmlns:a14="http://schemas.microsoft.com/office/drawing/2010/main" w="9525">
                     <a:solidFill>
                       <a:srgbClr val="000000"/>
                     </a:solidFill>
@@ -10660,7 +10661,7 @@
               </a:ln>
               <a:extLst>
                 <a:ext uri="{91240B29-F687-4f45-9708-019B960494DF}">
-                  <a14:hiddenLine xmlns:a14="http://schemas.microsoft.com/office/drawing/2010/main" xmlns="" w="9525">
+                  <a14:hiddenLine xmlns="" xmlns:a14="http://schemas.microsoft.com/office/drawing/2010/main" w="9525">
                     <a:solidFill>
                       <a:srgbClr val="000000"/>
                     </a:solidFill>
@@ -10722,7 +10723,7 @@
               </a:ln>
               <a:extLst>
                 <a:ext uri="{91240B29-F687-4f45-9708-019B960494DF}">
-                  <a14:hiddenLine xmlns:a14="http://schemas.microsoft.com/office/drawing/2010/main" xmlns="" w="9525">
+                  <a14:hiddenLine xmlns="" xmlns:a14="http://schemas.microsoft.com/office/drawing/2010/main" w="9525">
                     <a:solidFill>
                       <a:srgbClr val="000000"/>
                     </a:solidFill>
@@ -10812,7 +10813,7 @@
               </a:ln>
               <a:extLst>
                 <a:ext uri="{91240B29-F687-4f45-9708-019B960494DF}">
-                  <a14:hiddenLine xmlns:a14="http://schemas.microsoft.com/office/drawing/2010/main" xmlns="" w="9525">
+                  <a14:hiddenLine xmlns="" xmlns:a14="http://schemas.microsoft.com/office/drawing/2010/main" w="9525">
                     <a:solidFill>
                       <a:srgbClr val="000000"/>
                     </a:solidFill>
@@ -10902,7 +10903,7 @@
               </a:ln>
               <a:extLst>
                 <a:ext uri="{91240B29-F687-4f45-9708-019B960494DF}">
-                  <a14:hiddenLine xmlns:a14="http://schemas.microsoft.com/office/drawing/2010/main" xmlns="" w="9525">
+                  <a14:hiddenLine xmlns="" xmlns:a14="http://schemas.microsoft.com/office/drawing/2010/main" w="9525">
                     <a:solidFill>
                       <a:srgbClr val="000000"/>
                     </a:solidFill>
@@ -10967,7 +10968,7 @@
               </a:ln>
               <a:extLst>
                 <a:ext uri="{91240B29-F687-4f45-9708-019B960494DF}">
-                  <a14:hiddenLine xmlns:a14="http://schemas.microsoft.com/office/drawing/2010/main" xmlns="" w="9525">
+                  <a14:hiddenLine xmlns="" xmlns:a14="http://schemas.microsoft.com/office/drawing/2010/main" w="9525">
                     <a:solidFill>
                       <a:srgbClr val="000000"/>
                     </a:solidFill>
@@ -11087,7 +11088,7 @@
               </a:ln>
               <a:extLst>
                 <a:ext uri="{91240B29-F687-4f45-9708-019B960494DF}">
-                  <a14:hiddenLine xmlns:a14="http://schemas.microsoft.com/office/drawing/2010/main" xmlns="" w="9525">
+                  <a14:hiddenLine xmlns="" xmlns:a14="http://schemas.microsoft.com/office/drawing/2010/main" w="9525">
                     <a:solidFill>
                       <a:srgbClr val="000000"/>
                     </a:solidFill>
@@ -11185,7 +11186,7 @@
               </a:ln>
               <a:extLst>
                 <a:ext uri="{91240B29-F687-4f45-9708-019B960494DF}">
-                  <a14:hiddenLine xmlns:a14="http://schemas.microsoft.com/office/drawing/2010/main" xmlns="" w="9525">
+                  <a14:hiddenLine xmlns="" xmlns:a14="http://schemas.microsoft.com/office/drawing/2010/main" w="9525">
                     <a:solidFill>
                       <a:srgbClr val="000000"/>
                     </a:solidFill>
@@ -11300,7 +11301,7 @@
               </a:ln>
               <a:extLst>
                 <a:ext uri="{91240B29-F687-4f45-9708-019B960494DF}">
-                  <a14:hiddenLine xmlns:a14="http://schemas.microsoft.com/office/drawing/2010/main" xmlns="" w="9525">
+                  <a14:hiddenLine xmlns="" xmlns:a14="http://schemas.microsoft.com/office/drawing/2010/main" w="9525">
                     <a:solidFill>
                       <a:srgbClr val="000000"/>
                     </a:solidFill>
@@ -11390,7 +11391,7 @@
               </a:ln>
               <a:extLst>
                 <a:ext uri="{91240B29-F687-4f45-9708-019B960494DF}">
-                  <a14:hiddenLine xmlns:a14="http://schemas.microsoft.com/office/drawing/2010/main" xmlns="" w="9525">
+                  <a14:hiddenLine xmlns="" xmlns:a14="http://schemas.microsoft.com/office/drawing/2010/main" w="9525">
                     <a:solidFill>
                       <a:srgbClr val="000000"/>
                     </a:solidFill>
@@ -11455,7 +11456,7 @@
               </a:ln>
               <a:extLst>
                 <a:ext uri="{91240B29-F687-4f45-9708-019B960494DF}">
-                  <a14:hiddenLine xmlns:a14="http://schemas.microsoft.com/office/drawing/2010/main" xmlns="" w="9525">
+                  <a14:hiddenLine xmlns="" xmlns:a14="http://schemas.microsoft.com/office/drawing/2010/main" w="9525">
                     <a:solidFill>
                       <a:srgbClr val="000000"/>
                     </a:solidFill>
@@ -11545,7 +11546,7 @@
               </a:ln>
               <a:extLst>
                 <a:ext uri="{91240B29-F687-4f45-9708-019B960494DF}">
-                  <a14:hiddenLine xmlns:a14="http://schemas.microsoft.com/office/drawing/2010/main" xmlns="" w="9525">
+                  <a14:hiddenLine xmlns="" xmlns:a14="http://schemas.microsoft.com/office/drawing/2010/main" w="9525">
                     <a:solidFill>
                       <a:srgbClr val="000000"/>
                     </a:solidFill>
@@ -11613,7 +11614,7 @@
               </a:ln>
               <a:extLst>
                 <a:ext uri="{91240B29-F687-4f45-9708-019B960494DF}">
-                  <a14:hiddenLine xmlns:a14="http://schemas.microsoft.com/office/drawing/2010/main" xmlns="" w="9525">
+                  <a14:hiddenLine xmlns="" xmlns:a14="http://schemas.microsoft.com/office/drawing/2010/main" w="9525">
                     <a:solidFill>
                       <a:srgbClr val="000000"/>
                     </a:solidFill>
@@ -11703,7 +11704,7 @@
               </a:ln>
               <a:extLst>
                 <a:ext uri="{91240B29-F687-4f45-9708-019B960494DF}">
-                  <a14:hiddenLine xmlns:a14="http://schemas.microsoft.com/office/drawing/2010/main" xmlns="" w="9525">
+                  <a14:hiddenLine xmlns="" xmlns:a14="http://schemas.microsoft.com/office/drawing/2010/main" w="9525">
                     <a:solidFill>
                       <a:srgbClr val="000000"/>
                     </a:solidFill>
@@ -11771,7 +11772,7 @@
               </a:ln>
               <a:extLst>
                 <a:ext uri="{91240B29-F687-4f45-9708-019B960494DF}">
-                  <a14:hiddenLine xmlns:a14="http://schemas.microsoft.com/office/drawing/2010/main" xmlns="" w="9525">
+                  <a14:hiddenLine xmlns="" xmlns:a14="http://schemas.microsoft.com/office/drawing/2010/main" w="9525">
                     <a:solidFill>
                       <a:srgbClr val="000000"/>
                     </a:solidFill>
@@ -11861,7 +11862,7 @@
               </a:ln>
               <a:extLst>
                 <a:ext uri="{91240B29-F687-4f45-9708-019B960494DF}">
-                  <a14:hiddenLine xmlns:a14="http://schemas.microsoft.com/office/drawing/2010/main" xmlns="" w="9525">
+                  <a14:hiddenLine xmlns="" xmlns:a14="http://schemas.microsoft.com/office/drawing/2010/main" w="9525">
                     <a:solidFill>
                       <a:srgbClr val="000000"/>
                     </a:solidFill>
@@ -11895,7 +11896,7 @@
               </a:ln>
               <a:extLst>
                 <a:ext uri="{91240B29-F687-4f45-9708-019B960494DF}">
-                  <a14:hiddenLine xmlns:a14="http://schemas.microsoft.com/office/drawing/2010/main" xmlns="" w="9525">
+                  <a14:hiddenLine xmlns="" xmlns:a14="http://schemas.microsoft.com/office/drawing/2010/main" w="9525">
                     <a:solidFill>
                       <a:srgbClr val="000000"/>
                     </a:solidFill>
@@ -12036,7 +12037,7 @@
             <a:fld id="{48A87A34-81AB-432B-8DAE-1953F412C126}" type="datetimeFigureOut">
               <a:rPr lang="en-US" smtClean="0"/>
               <a:pPr/>
-              <a:t>5/12/2016</a:t>
+              <a:t>5/17/2016</a:t>
             </a:fld>
             <a:endParaRPr lang="en-US" dirty="0"/>
           </a:p>
@@ -12726,15 +12727,7 @@
           <a:p>
             <a:r>
               <a:rPr lang="en-US" dirty="0" smtClean="0"/>
-              <a:t>Add items, remove items, display the </a:t>
-            </a:r>
-            <a:r>
-              <a:rPr lang="en-US" dirty="0" smtClean="0"/>
-              <a:t>pantry, </a:t>
-            </a:r>
-            <a:r>
-              <a:rPr lang="en-US" dirty="0" smtClean="0"/>
-              <a:t>and clear the pantry</a:t>
+              <a:t>Add items, remove items, display the pantry, and clear the pantry</a:t>
             </a:r>
           </a:p>
           <a:p>
@@ -12752,15 +12745,7 @@
           <a:p>
             <a:r>
               <a:rPr lang="en-US" dirty="0" smtClean="0"/>
-              <a:t>Using pointers to text files to </a:t>
-            </a:r>
-            <a:r>
-              <a:rPr lang="en-US" dirty="0" smtClean="0"/>
-              <a:t>implement access </a:t>
-            </a:r>
-            <a:r>
-              <a:rPr lang="en-US" dirty="0" smtClean="0"/>
-              <a:t>files throughout entire program</a:t>
+              <a:t>Using pointers to text files to implement access files throughout entire program</a:t>
             </a:r>
             <a:endParaRPr lang="en-US" dirty="0"/>
           </a:p>
@@ -12983,20 +12968,11 @@
               <a:rPr lang="en-US" dirty="0" smtClean="0"/>
               <a:t>()</a:t>
             </a:r>
-            <a:endParaRPr lang="en-US" dirty="0" smtClean="0"/>
           </a:p>
           <a:p>
             <a:r>
               <a:rPr lang="en-US" dirty="0" smtClean="0"/>
-              <a:t>Declaring </a:t>
-            </a:r>
-            <a:r>
-              <a:rPr lang="en-US" dirty="0" smtClean="0"/>
-              <a:t>pointers to text </a:t>
-            </a:r>
-            <a:r>
-              <a:rPr lang="en-US" dirty="0" smtClean="0"/>
-              <a:t>files to be used through all .</a:t>
+              <a:t>Declaring pointers to text files to be used through all .</a:t>
             </a:r>
             <a:r>
               <a:rPr lang="en-US" dirty="0" err="1" smtClean="0"/>
@@ -13301,7 +13277,7 @@
             <a:spLocks noGrp="1"/>
           </p:cNvSpPr>
           <p:nvPr>
-            <p:ph type="title"/>
+            <p:ph type="ctrTitle"/>
           </p:nvPr>
         </p:nvSpPr>
         <p:spPr/>
@@ -13311,94 +13287,55 @@
           <a:p>
             <a:r>
               <a:rPr lang="en-US" dirty="0" smtClean="0"/>
-              <a:t>Current </a:t>
-            </a:r>
-            <a:r>
-              <a:rPr lang="en-US" dirty="0" smtClean="0"/>
-              <a:t>Progress </a:t>
-            </a:r>
-            <a:r>
-              <a:rPr lang="en-US" sz="2800" dirty="0" smtClean="0"/>
-              <a:t>–specific to Elizabeth </a:t>
-            </a:r>
-            <a:endParaRPr lang="en-US" sz="2800" dirty="0"/>
+              <a:t>Let’s Demo!</a:t>
+            </a:r>
+            <a:endParaRPr lang="en-US" dirty="0"/>
           </a:p>
         </p:txBody>
       </p:sp>
-      <p:sp>
-        <p:nvSpPr>
-          <p:cNvPr id="3" name="Content Placeholder 2"/>
-          <p:cNvSpPr>
-            <a:spLocks noGrp="1"/>
-          </p:cNvSpPr>
-          <p:nvPr>
-            <p:ph idx="1"/>
-          </p:nvPr>
-        </p:nvSpPr>
-        <p:spPr/>
-        <p:txBody>
-          <a:bodyPr/>
-          <a:lstStyle/>
-          <a:p>
-            <a:r>
-              <a:rPr lang="en-US" dirty="0" smtClean="0"/>
-              <a:t>The main functionality of the program is completed </a:t>
-            </a:r>
-          </a:p>
-          <a:p>
-            <a:pPr lvl="1"/>
-            <a:r>
-              <a:rPr lang="en-US" dirty="0" smtClean="0"/>
-              <a:t>Add, Remove, List, and Clear Pantry all functioning</a:t>
-            </a:r>
-          </a:p>
-          <a:p>
-            <a:r>
-              <a:rPr lang="en-US" dirty="0" smtClean="0"/>
-              <a:t>All of the four options work, however when removing an item, if it was added in the same session, the program must be closed and reopened to remove</a:t>
-            </a:r>
-          </a:p>
-          <a:p>
-            <a:r>
-              <a:rPr lang="en-US" dirty="0" smtClean="0"/>
-              <a:t>Program is well organized and uses a header as well as multiple .</a:t>
-            </a:r>
-            <a:r>
-              <a:rPr lang="en-US" dirty="0" err="1" smtClean="0"/>
-              <a:t>cpp</a:t>
-            </a:r>
-            <a:r>
-              <a:rPr lang="en-US" dirty="0" smtClean="0"/>
-              <a:t> files</a:t>
-            </a:r>
-          </a:p>
-          <a:p>
-            <a:r>
-              <a:rPr lang="en-US" dirty="0" smtClean="0"/>
-              <a:t>Still working on the potential to organize the content of each text file </a:t>
-            </a:r>
-          </a:p>
-          <a:p>
-            <a:endParaRPr lang="en-US" dirty="0" smtClean="0"/>
-          </a:p>
-          <a:p>
-            <a:endParaRPr lang="en-US" dirty="0" smtClean="0"/>
-          </a:p>
-          <a:p>
-            <a:endParaRPr lang="en-US" dirty="0" smtClean="0"/>
-          </a:p>
-          <a:p>
-            <a:endParaRPr lang="en-US" dirty="0" smtClean="0"/>
-          </a:p>
-          <a:p>
-            <a:endParaRPr lang="en-US" dirty="0"/>
-          </a:p>
-        </p:txBody>
-      </p:sp>
+      <p:pic>
+        <p:nvPicPr>
+          <p:cNvPr id="1026" name="Picture 2" descr="http://cdn.meme.li/i/o72ri.jpg"/>
+          <p:cNvPicPr>
+            <a:picLocks noChangeAspect="1" noChangeArrowheads="1"/>
+          </p:cNvPicPr>
+          <p:nvPr/>
+        </p:nvPicPr>
+        <p:blipFill rotWithShape="1">
+          <a:blip r:embed="rId2">
+            <a:extLst>
+              <a:ext uri="{28A0092B-C50C-407E-A947-70E740481C1C}">
+                <a14:useLocalDpi xmlns:a14="http://schemas.microsoft.com/office/drawing/2010/main" val="0"/>
+              </a:ext>
+            </a:extLst>
+          </a:blip>
+          <a:srcRect b="3811"/>
+          <a:stretch/>
+        </p:blipFill>
+        <p:spPr bwMode="auto">
+          <a:xfrm>
+            <a:off x="5900158" y="1498881"/>
+            <a:ext cx="3810000" cy="3664790"/>
+          </a:xfrm>
+          <a:prstGeom prst="rect">
+            <a:avLst/>
+          </a:prstGeom>
+          <a:noFill/>
+          <a:extLst>
+            <a:ext uri="{909E8E84-426E-40DD-AFC4-6F175D3DCCD1}">
+              <a14:hiddenFill xmlns:a14="http://schemas.microsoft.com/office/drawing/2010/main">
+                <a:solidFill>
+                  <a:srgbClr val="FFFFFF"/>
+                </a:solidFill>
+              </a14:hiddenFill>
+            </a:ext>
+          </a:extLst>
+        </p:spPr>
+      </p:pic>
     </p:spTree>
     <p:extLst>
       <p:ext uri="{BB962C8B-B14F-4D97-AF65-F5344CB8AC3E}">
-        <p14:creationId xmlns:p14="http://schemas.microsoft.com/office/powerpoint/2010/main" val="2583756176"/>
+        <p14:creationId xmlns:p14="http://schemas.microsoft.com/office/powerpoint/2010/main" val="619270650"/>
       </p:ext>
     </p:extLst>
   </p:cSld>
@@ -13416,7 +13353,7 @@
 </file>
 
 <file path=ppt/slides/slide6.xml><?xml version="1.0" encoding="utf-8"?>
-<p:sld xmlns:a="http://schemas.openxmlformats.org/drawingml/2006/main" xmlns:r="http://schemas.openxmlformats.org/officeDocument/2006/relationships" xmlns:p="http://schemas.openxmlformats.org/presentationml/2006/main">
+<p:sld xmlns:a="http://schemas.openxmlformats.org/drawingml/2006/main" xmlns:r="http://schemas.openxmlformats.org/officeDocument/2006/relationships" xmlns:p="http://schemas.openxmlformats.org/presentationml/2006/main" show="0">
   <p:cSld>
     <p:spTree>
       <p:nvGrpSpPr>
@@ -13449,6 +13386,148 @@
           <a:p>
             <a:r>
               <a:rPr lang="en-US" dirty="0" smtClean="0"/>
+              <a:t>Current Progress </a:t>
+            </a:r>
+            <a:r>
+              <a:rPr lang="en-US" sz="2800" dirty="0" smtClean="0"/>
+              <a:t>–specific to Elizabeth </a:t>
+            </a:r>
+            <a:endParaRPr lang="en-US" sz="2800" dirty="0"/>
+          </a:p>
+        </p:txBody>
+      </p:sp>
+      <p:sp>
+        <p:nvSpPr>
+          <p:cNvPr id="3" name="Content Placeholder 2"/>
+          <p:cNvSpPr>
+            <a:spLocks noGrp="1"/>
+          </p:cNvSpPr>
+          <p:nvPr>
+            <p:ph idx="1"/>
+          </p:nvPr>
+        </p:nvSpPr>
+        <p:spPr/>
+        <p:txBody>
+          <a:bodyPr/>
+          <a:lstStyle/>
+          <a:p>
+            <a:r>
+              <a:rPr lang="en-US" dirty="0" smtClean="0"/>
+              <a:t>The main functionality of the program is completed </a:t>
+            </a:r>
+          </a:p>
+          <a:p>
+            <a:pPr lvl="1"/>
+            <a:r>
+              <a:rPr lang="en-US" dirty="0" smtClean="0"/>
+              <a:t>Add, Remove, List, and Clear Pantry all functioning</a:t>
+            </a:r>
+          </a:p>
+          <a:p>
+            <a:r>
+              <a:rPr lang="en-US" dirty="0" smtClean="0"/>
+              <a:t>All of the four options work, however when removing an item, if it was added in the same session, the program must be closed and reopened to remove</a:t>
+            </a:r>
+          </a:p>
+          <a:p>
+            <a:r>
+              <a:rPr lang="en-US" dirty="0" smtClean="0"/>
+              <a:t>Program is well organized and uses a header as well as multiple .</a:t>
+            </a:r>
+            <a:r>
+              <a:rPr lang="en-US" dirty="0" err="1" smtClean="0"/>
+              <a:t>cpp</a:t>
+            </a:r>
+            <a:r>
+              <a:rPr lang="en-US" dirty="0" smtClean="0"/>
+              <a:t> files</a:t>
+            </a:r>
+          </a:p>
+          <a:p>
+            <a:r>
+              <a:rPr lang="en-US" dirty="0" smtClean="0"/>
+              <a:t>Still working on the potential to organize the content of each text file </a:t>
+            </a:r>
+          </a:p>
+          <a:p>
+            <a:endParaRPr lang="en-US" dirty="0" smtClean="0"/>
+          </a:p>
+          <a:p>
+            <a:endParaRPr lang="en-US" dirty="0" smtClean="0"/>
+          </a:p>
+          <a:p>
+            <a:endParaRPr lang="en-US" dirty="0" smtClean="0"/>
+          </a:p>
+          <a:p>
+            <a:endParaRPr lang="en-US" dirty="0" smtClean="0"/>
+          </a:p>
+          <a:p>
+            <a:endParaRPr lang="en-US" dirty="0"/>
+          </a:p>
+        </p:txBody>
+      </p:sp>
+    </p:spTree>
+    <p:extLst>
+      <p:ext uri="{BB962C8B-B14F-4D97-AF65-F5344CB8AC3E}">
+        <p14:creationId xmlns:p14="http://schemas.microsoft.com/office/powerpoint/2010/main" val="2583756176"/>
+      </p:ext>
+    </p:extLst>
+  </p:cSld>
+  <p:clrMapOvr>
+    <a:masterClrMapping/>
+  </p:clrMapOvr>
+  <mc:AlternateContent xmlns:mc="http://schemas.openxmlformats.org/markup-compatibility/2006">
+    <mc:Choice xmlns:p14="http://schemas.microsoft.com/office/powerpoint/2010/main" Requires="p14">
+      <p:transition spd="slow" p14:dur="2000"/>
+    </mc:Choice>
+    <mc:Fallback>
+      <p:transition spd="slow"/>
+    </mc:Fallback>
+  </mc:AlternateContent>
+  <p:timing>
+    <p:tnLst>
+      <p:par>
+        <p:cTn id="1" dur="indefinite" restart="never" nodeType="tmRoot"/>
+      </p:par>
+    </p:tnLst>
+  </p:timing>
+</p:sld>
+</file>
+
+<file path=ppt/slides/slide7.xml><?xml version="1.0" encoding="utf-8"?>
+<p:sld xmlns:a="http://schemas.openxmlformats.org/drawingml/2006/main" xmlns:r="http://schemas.openxmlformats.org/officeDocument/2006/relationships" xmlns:p="http://schemas.openxmlformats.org/presentationml/2006/main" show="0">
+  <p:cSld>
+    <p:spTree>
+      <p:nvGrpSpPr>
+        <p:cNvPr id="1" name=""/>
+        <p:cNvGrpSpPr/>
+        <p:nvPr/>
+      </p:nvGrpSpPr>
+      <p:grpSpPr>
+        <a:xfrm>
+          <a:off x="0" y="0"/>
+          <a:ext cx="0" cy="0"/>
+          <a:chOff x="0" y="0"/>
+          <a:chExt cx="0" cy="0"/>
+        </a:xfrm>
+      </p:grpSpPr>
+      <p:sp>
+        <p:nvSpPr>
+          <p:cNvPr id="2" name="Title 1"/>
+          <p:cNvSpPr>
+            <a:spLocks noGrp="1"/>
+          </p:cNvSpPr>
+          <p:nvPr>
+            <p:ph type="title"/>
+          </p:nvPr>
+        </p:nvSpPr>
+        <p:spPr/>
+        <p:txBody>
+          <a:bodyPr/>
+          <a:lstStyle/>
+          <a:p>
+            <a:r>
+              <a:rPr lang="en-US" dirty="0" smtClean="0"/>
               <a:t>What is </a:t>
             </a:r>
             <a:r>
@@ -13459,7 +13538,6 @@
               <a:rPr lang="en-US" sz="2800" dirty="0"/>
               <a:t>–specific to Elizabeth </a:t>
             </a:r>
-            <a:endParaRPr lang="en-US" sz="2800" dirty="0"/>
           </a:p>
         </p:txBody>
       </p:sp>
@@ -13543,6 +13621,14 @@
   <p:clrMapOvr>
     <a:masterClrMapping/>
   </p:clrMapOvr>
+  <mc:AlternateContent xmlns:mc="http://schemas.openxmlformats.org/markup-compatibility/2006">
+    <mc:Choice xmlns:p14="http://schemas.microsoft.com/office/powerpoint/2010/main" Requires="p14">
+      <p:transition spd="slow" p14:dur="2000"/>
+    </mc:Choice>
+    <mc:Fallback>
+      <p:transition spd="slow"/>
+    </mc:Fallback>
+  </mc:AlternateContent>
   <p:timing>
     <p:tnLst>
       <p:par>
